--- a/Calendario2022/Presentaciones/7_RedesInalambricas.pptx
+++ b/Calendario2022/Presentaciones/7_RedesInalambricas.pptx
@@ -226,7 +226,7 @@
           <a:p>
             <a:fld id="{CFD15F0F-6D28-499C-8425-A9347399C9A5}" type="datetimeFigureOut">
               <a:rPr lang="es-MX" smtClean="0"/>
-              <a:t>20/04/2022</a:t>
+              <a:t>15/05/2022</a:t>
             </a:fld>
             <a:endParaRPr lang="es-MX" dirty="0"/>
           </a:p>
@@ -391,7 +391,7 @@
           <a:p>
             <a:fld id="{2D445F07-8756-451B-A938-0248325FC7BB}" type="datetimeFigureOut">
               <a:rPr lang="es-MX" smtClean="0"/>
-              <a:t>20/04/2022</a:t>
+              <a:t>15/05/2022</a:t>
             </a:fld>
             <a:endParaRPr lang="es-MX" dirty="0"/>
           </a:p>
@@ -1968,7 +1968,7 @@
           <a:p>
             <a:fld id="{5E75A0DC-66C6-4CEC-A5EB-F8C97CEC3796}" type="datetimeFigureOut">
               <a:rPr lang="es-MX" smtClean="0"/>
-              <a:t>20/04/2022</a:t>
+              <a:t>15/05/2022</a:t>
             </a:fld>
             <a:endParaRPr lang="es-MX" dirty="0"/>
           </a:p>
@@ -2138,7 +2138,7 @@
           <a:p>
             <a:fld id="{5E75A0DC-66C6-4CEC-A5EB-F8C97CEC3796}" type="datetimeFigureOut">
               <a:rPr lang="es-MX" smtClean="0"/>
-              <a:t>20/04/2022</a:t>
+              <a:t>15/05/2022</a:t>
             </a:fld>
             <a:endParaRPr lang="es-MX" dirty="0"/>
           </a:p>
@@ -2318,7 +2318,7 @@
           <a:p>
             <a:fld id="{5E75A0DC-66C6-4CEC-A5EB-F8C97CEC3796}" type="datetimeFigureOut">
               <a:rPr lang="es-MX" smtClean="0"/>
-              <a:t>20/04/2022</a:t>
+              <a:t>15/05/2022</a:t>
             </a:fld>
             <a:endParaRPr lang="es-MX" dirty="0"/>
           </a:p>
@@ -2793,7 +2793,7 @@
           <a:p>
             <a:fld id="{5E75A0DC-66C6-4CEC-A5EB-F8C97CEC3796}" type="datetimeFigureOut">
               <a:rPr lang="es-MX" smtClean="0"/>
-              <a:t>20/04/2022</a:t>
+              <a:t>15/05/2022</a:t>
             </a:fld>
             <a:endParaRPr lang="es-MX" dirty="0"/>
           </a:p>
@@ -3039,7 +3039,7 @@
           <a:p>
             <a:fld id="{5E75A0DC-66C6-4CEC-A5EB-F8C97CEC3796}" type="datetimeFigureOut">
               <a:rPr lang="es-MX" smtClean="0"/>
-              <a:t>20/04/2022</a:t>
+              <a:t>15/05/2022</a:t>
             </a:fld>
             <a:endParaRPr lang="es-MX" dirty="0"/>
           </a:p>
@@ -3327,7 +3327,7 @@
           <a:p>
             <a:fld id="{5E75A0DC-66C6-4CEC-A5EB-F8C97CEC3796}" type="datetimeFigureOut">
               <a:rPr lang="es-MX" smtClean="0"/>
-              <a:t>20/04/2022</a:t>
+              <a:t>15/05/2022</a:t>
             </a:fld>
             <a:endParaRPr lang="es-MX" dirty="0"/>
           </a:p>
@@ -3749,7 +3749,7 @@
           <a:p>
             <a:fld id="{5E75A0DC-66C6-4CEC-A5EB-F8C97CEC3796}" type="datetimeFigureOut">
               <a:rPr lang="es-MX" smtClean="0"/>
-              <a:t>20/04/2022</a:t>
+              <a:t>15/05/2022</a:t>
             </a:fld>
             <a:endParaRPr lang="es-MX" dirty="0"/>
           </a:p>
@@ -3867,7 +3867,7 @@
           <a:p>
             <a:fld id="{5E75A0DC-66C6-4CEC-A5EB-F8C97CEC3796}" type="datetimeFigureOut">
               <a:rPr lang="es-MX" smtClean="0"/>
-              <a:t>20/04/2022</a:t>
+              <a:t>15/05/2022</a:t>
             </a:fld>
             <a:endParaRPr lang="es-MX" dirty="0"/>
           </a:p>
@@ -3962,7 +3962,7 @@
           <a:p>
             <a:fld id="{5E75A0DC-66C6-4CEC-A5EB-F8C97CEC3796}" type="datetimeFigureOut">
               <a:rPr lang="es-MX" smtClean="0"/>
-              <a:t>20/04/2022</a:t>
+              <a:t>15/05/2022</a:t>
             </a:fld>
             <a:endParaRPr lang="es-MX" dirty="0"/>
           </a:p>
@@ -4239,7 +4239,7 @@
           <a:p>
             <a:fld id="{5E75A0DC-66C6-4CEC-A5EB-F8C97CEC3796}" type="datetimeFigureOut">
               <a:rPr lang="es-MX" smtClean="0"/>
-              <a:t>20/04/2022</a:t>
+              <a:t>15/05/2022</a:t>
             </a:fld>
             <a:endParaRPr lang="es-MX" dirty="0"/>
           </a:p>
@@ -4492,7 +4492,7 @@
           <a:p>
             <a:fld id="{5E75A0DC-66C6-4CEC-A5EB-F8C97CEC3796}" type="datetimeFigureOut">
               <a:rPr lang="es-MX" smtClean="0"/>
-              <a:t>20/04/2022</a:t>
+              <a:t>15/05/2022</a:t>
             </a:fld>
             <a:endParaRPr lang="es-MX" dirty="0"/>
           </a:p>
@@ -4705,7 +4705,7 @@
           <a:p>
             <a:fld id="{5E75A0DC-66C6-4CEC-A5EB-F8C97CEC3796}" type="datetimeFigureOut">
               <a:rPr lang="es-MX" smtClean="0"/>
-              <a:t>20/04/2022</a:t>
+              <a:t>15/05/2022</a:t>
             </a:fld>
             <a:endParaRPr lang="es-MX" dirty="0"/>
           </a:p>
